--- a/Project-hrtsaa.pptx
+++ b/Project-hrtsaa.pptx
@@ -6,9 +6,10 @@
   </p:sldMasterIdLst>
   <p:sldIdLst>
     <p:sldId id="256" r:id="rId2"/>
-    <p:sldId id="257" r:id="rId3"/>
-    <p:sldId id="258" r:id="rId4"/>
-    <p:sldId id="259" r:id="rId5"/>
+    <p:sldId id="260" r:id="rId3"/>
+    <p:sldId id="257" r:id="rId4"/>
+    <p:sldId id="258" r:id="rId5"/>
+    <p:sldId id="259" r:id="rId6"/>
   </p:sldIdLst>
   <p:sldSz cx="12192000" cy="6858000"/>
   <p:notesSz cx="6858000" cy="9144000"/>
@@ -6051,6 +6052,226 @@
   <p:cSld>
     <p:bg>
       <p:bgPr>
+        <a:blipFill>
+          <a:blip r:embed="rId2"/>
+          <a:stretch>
+            <a:fillRect/>
+          </a:stretch>
+        </a:blipFill>
+        <a:effectLst/>
+      </p:bgPr>
+    </p:bg>
+    <p:spTree>
+      <p:nvGrpSpPr>
+        <p:cNvPr id="1" name=""/>
+        <p:cNvGrpSpPr/>
+        <p:nvPr/>
+      </p:nvGrpSpPr>
+      <p:grpSpPr>
+        <a:xfrm>
+          <a:off x="0" y="0"/>
+          <a:ext cx="0" cy="0"/>
+          <a:chOff x="0" y="0"/>
+          <a:chExt cx="0" cy="0"/>
+        </a:xfrm>
+      </p:grpSpPr>
+      <p:sp>
+        <p:nvSpPr>
+          <p:cNvPr id="2" name="Title 1"/>
+          <p:cNvSpPr>
+            <a:spLocks noGrp="1"/>
+          </p:cNvSpPr>
+          <p:nvPr>
+            <p:ph type="title"/>
+          </p:nvPr>
+        </p:nvSpPr>
+        <p:spPr/>
+        <p:txBody>
+          <a:bodyPr/>
+          <a:lstStyle/>
+          <a:p>
+            <a:r>
+              <a:rPr lang="he-IL" dirty="0" smtClean="0">
+                <a:solidFill>
+                  <a:srgbClr val="C00000"/>
+                </a:solidFill>
+              </a:rPr>
+              <a:t>על העמותה           </a:t>
+            </a:r>
+            <a:endParaRPr lang="en-US" dirty="0">
+              <a:solidFill>
+                <a:srgbClr val="C00000"/>
+              </a:solidFill>
+            </a:endParaRPr>
+          </a:p>
+        </p:txBody>
+      </p:sp>
+      <p:sp>
+        <p:nvSpPr>
+          <p:cNvPr id="3" name="Content Placeholder 2"/>
+          <p:cNvSpPr>
+            <a:spLocks noGrp="1"/>
+          </p:cNvSpPr>
+          <p:nvPr>
+            <p:ph idx="1"/>
+          </p:nvPr>
+        </p:nvSpPr>
+        <p:spPr/>
+        <p:txBody>
+          <a:bodyPr/>
+          <a:lstStyle/>
+          <a:p>
+            <a:pPr marL="0" indent="0" algn="r" rtl="1">
+              <a:buNone/>
+            </a:pPr>
+            <a:r>
+              <a:rPr lang="he-IL" dirty="0" smtClean="0">
+                <a:solidFill>
+                  <a:srgbClr val="2E7A32"/>
+                </a:solidFill>
+              </a:rPr>
+              <a:t>עמותת </a:t>
+            </a:r>
+            <a:r>
+              <a:rPr lang="he-IL" dirty="0">
+                <a:solidFill>
+                  <a:srgbClr val="2E7A32"/>
+                </a:solidFill>
+              </a:rPr>
+              <a:t>שפים לשלום הוקמה בשנת 2001, </a:t>
+            </a:r>
+            <a:r>
+              <a:rPr lang="he-IL" dirty="0" smtClean="0">
+                <a:solidFill>
+                  <a:srgbClr val="2E7A32"/>
+                </a:solidFill>
+              </a:rPr>
+              <a:t>פעלה </a:t>
+            </a:r>
+            <a:r>
+              <a:rPr lang="he-IL" dirty="0">
+                <a:solidFill>
+                  <a:srgbClr val="2E7A32"/>
+                </a:solidFill>
+              </a:rPr>
+              <a:t>באופן אינטנסיבי כעשור ובשנה </a:t>
+            </a:r>
+            <a:endParaRPr lang="en-US" dirty="0" smtClean="0">
+              <a:solidFill>
+                <a:srgbClr val="2E7A32"/>
+              </a:solidFill>
+            </a:endParaRPr>
+          </a:p>
+          <a:p>
+            <a:pPr marL="0" indent="0" algn="r" rtl="1">
+              <a:buNone/>
+            </a:pPr>
+            <a:endParaRPr lang="he-IL" dirty="0">
+              <a:solidFill>
+                <a:srgbClr val="2E7A32"/>
+              </a:solidFill>
+            </a:endParaRPr>
+          </a:p>
+          <a:p>
+            <a:pPr marL="0" indent="0" algn="r" rtl="1">
+              <a:buNone/>
+            </a:pPr>
+            <a:r>
+              <a:rPr lang="he-IL" dirty="0">
+                <a:solidFill>
+                  <a:srgbClr val="2E7A32"/>
+                </a:solidFill>
+              </a:rPr>
+              <a:t>האחרונה חידשה את פעילותה. היא </a:t>
+            </a:r>
+            <a:r>
+              <a:rPr lang="he-IL" dirty="0" smtClean="0">
+                <a:solidFill>
+                  <a:srgbClr val="2E7A32"/>
+                </a:solidFill>
+              </a:rPr>
+              <a:t>כוללת </a:t>
+            </a:r>
+            <a:r>
+              <a:rPr lang="he-IL" dirty="0">
+                <a:solidFill>
+                  <a:srgbClr val="2E7A32"/>
+                </a:solidFill>
+              </a:rPr>
+              <a:t>כ- 15 שפים ישראלים מכל הדתות, ומטרתה ליצור מרחב משותף </a:t>
+            </a:r>
+          </a:p>
+          <a:p>
+            <a:pPr marL="0" indent="0" algn="r" rtl="1">
+              <a:buNone/>
+            </a:pPr>
+            <a:endParaRPr lang="he-IL" dirty="0">
+              <a:solidFill>
+                <a:srgbClr val="2E7A32"/>
+              </a:solidFill>
+            </a:endParaRPr>
+          </a:p>
+          <a:p>
+            <a:pPr marL="0" indent="0" algn="r" rtl="1">
+              <a:buNone/>
+            </a:pPr>
+            <a:r>
+              <a:rPr lang="he-IL" dirty="0">
+                <a:solidFill>
+                  <a:srgbClr val="2E7A32"/>
+                </a:solidFill>
+              </a:rPr>
+              <a:t>ולקדם את רעיון הקהילה המשותפת, סובלנות, כבוד לשונות ולזהויות תרבותיות שונות, ומקיימת קהילה רב </a:t>
+            </a:r>
+          </a:p>
+          <a:p>
+            <a:pPr marL="0" indent="0" algn="r" rtl="1">
+              <a:buNone/>
+            </a:pPr>
+            <a:endParaRPr lang="he-IL" dirty="0">
+              <a:solidFill>
+                <a:srgbClr val="2E7A32"/>
+              </a:solidFill>
+            </a:endParaRPr>
+          </a:p>
+          <a:p>
+            <a:pPr marL="0" indent="0" algn="r" rtl="1">
+              <a:buNone/>
+            </a:pPr>
+            <a:r>
+              <a:rPr lang="he-IL" dirty="0">
+                <a:solidFill>
+                  <a:srgbClr val="2E7A32"/>
+                </a:solidFill>
+              </a:rPr>
+              <a:t>תרבותית דרך מזון ומטבח.</a:t>
+            </a:r>
+            <a:endParaRPr lang="en-US" dirty="0">
+              <a:solidFill>
+                <a:srgbClr val="2E7A32"/>
+              </a:solidFill>
+            </a:endParaRPr>
+          </a:p>
+        </p:txBody>
+      </p:sp>
+    </p:spTree>
+    <p:extLst>
+      <p:ext uri="{BB962C8B-B14F-4D97-AF65-F5344CB8AC3E}">
+        <p14:creationId xmlns:p14="http://schemas.microsoft.com/office/powerpoint/2010/main" val="2110521260"/>
+      </p:ext>
+    </p:extLst>
+  </p:cSld>
+  <p:clrMapOvr>
+    <a:masterClrMapping/>
+  </p:clrMapOvr>
+</p:sld>
+</file>
+
+<file path=ppt/slides/slide3.xml><?xml version="1.0" encoding="utf-8"?>
+<p:sld xmlns:a="http://schemas.openxmlformats.org/drawingml/2006/main" xmlns:r="http://schemas.openxmlformats.org/officeDocument/2006/relationships" xmlns:p="http://schemas.openxmlformats.org/presentationml/2006/main">
+  <p:cSld>
+    <p:bg>
+      <p:bgPr>
         <a:blipFill dpi="0" rotWithShape="1">
           <a:blip r:embed="rId2"/>
           <a:srcRect/>
@@ -6170,15 +6391,7 @@
                   <a:srgbClr val="2A702D"/>
                 </a:solidFill>
               </a:rPr>
-              <a:t>רישום </a:t>
-            </a:r>
-            <a:r>
-              <a:rPr lang="he-IL" sz="2200" b="1" dirty="0" smtClean="0">
-                <a:solidFill>
-                  <a:srgbClr val="2A702D"/>
-                </a:solidFill>
-              </a:rPr>
-              <a:t>שפים/לקוחות </a:t>
+              <a:t>רישום שפים/לקוחות </a:t>
             </a:r>
             <a:r>
               <a:rPr lang="he-IL" sz="2200" b="1" dirty="0">
@@ -6250,7 +6463,7 @@
 </p:sld>
 </file>
 
-<file path=ppt/slides/slide3.xml><?xml version="1.0" encoding="utf-8"?>
+<file path=ppt/slides/slide4.xml><?xml version="1.0" encoding="utf-8"?>
 <p:sld xmlns:a="http://schemas.openxmlformats.org/drawingml/2006/main" xmlns:r="http://schemas.openxmlformats.org/officeDocument/2006/relationships" xmlns:p="http://schemas.openxmlformats.org/presentationml/2006/main">
   <p:cSld>
     <p:bg>
@@ -6346,15 +6559,7 @@
                   <a:srgbClr val="2A702D"/>
                 </a:solidFill>
               </a:rPr>
-              <a:t>יצירת מכנה משותף המאפשר תקשורת בין עמותה לשפים </a:t>
-            </a:r>
-            <a:r>
-              <a:rPr lang="he-IL" sz="2800" b="1" dirty="0" smtClean="0">
-                <a:solidFill>
-                  <a:srgbClr val="2A702D"/>
-                </a:solidFill>
-              </a:rPr>
-              <a:t>ולמזמינים(לקוחות) </a:t>
+              <a:t>יצירת מכנה משותף המאפשר תקשורת בין עמותה לשפים ולמזמינים(לקוחות) </a:t>
             </a:r>
             <a:endParaRPr lang="en-US" sz="2800" b="1" dirty="0">
               <a:solidFill>
@@ -6384,7 +6589,7 @@
 </p:sld>
 </file>
 
-<file path=ppt/slides/slide4.xml><?xml version="1.0" encoding="utf-8"?>
+<file path=ppt/slides/slide5.xml><?xml version="1.0" encoding="utf-8"?>
 <p:sld xmlns:a="http://schemas.openxmlformats.org/drawingml/2006/main" xmlns:r="http://schemas.openxmlformats.org/officeDocument/2006/relationships" xmlns:p="http://schemas.openxmlformats.org/presentationml/2006/main">
   <p:cSld>
     <p:bg>

--- a/Project-hrtsaa.pptx
+++ b/Project-hrtsaa.pptx
@@ -10,6 +10,7 @@
     <p:sldId id="257" r:id="rId4"/>
     <p:sldId id="258" r:id="rId5"/>
     <p:sldId id="259" r:id="rId6"/>
+    <p:sldId id="261" r:id="rId7"/>
   </p:sldIdLst>
   <p:sldSz cx="12192000" cy="6858000"/>
   <p:notesSz cx="6858000" cy="9144000"/>
@@ -6730,6 +6731,84 @@
 </p:sld>
 </file>
 
+<file path=ppt/slides/slide6.xml><?xml version="1.0" encoding="utf-8"?>
+<p:sld xmlns:a="http://schemas.openxmlformats.org/drawingml/2006/main" xmlns:r="http://schemas.openxmlformats.org/officeDocument/2006/relationships" xmlns:p="http://schemas.openxmlformats.org/presentationml/2006/main">
+  <p:cSld>
+    <p:spTree>
+      <p:nvGrpSpPr>
+        <p:cNvPr id="1" name=""/>
+        <p:cNvGrpSpPr/>
+        <p:nvPr/>
+      </p:nvGrpSpPr>
+      <p:grpSpPr>
+        <a:xfrm>
+          <a:off x="0" y="0"/>
+          <a:ext cx="0" cy="0"/>
+          <a:chOff x="0" y="0"/>
+          <a:chExt cx="0" cy="0"/>
+        </a:xfrm>
+      </p:grpSpPr>
+      <p:sp>
+        <p:nvSpPr>
+          <p:cNvPr id="2" name="Title 1"/>
+          <p:cNvSpPr>
+            <a:spLocks noGrp="1"/>
+          </p:cNvSpPr>
+          <p:nvPr>
+            <p:ph type="title"/>
+          </p:nvPr>
+        </p:nvSpPr>
+        <p:spPr/>
+        <p:txBody>
+          <a:bodyPr/>
+          <a:lstStyle/>
+          <a:p>
+            <a:endParaRPr lang="en-US"/>
+          </a:p>
+        </p:txBody>
+      </p:sp>
+      <p:pic>
+        <p:nvPicPr>
+          <p:cNvPr id="4" name="Content Placeholder 3"/>
+          <p:cNvPicPr>
+            <a:picLocks noGrp="1" noChangeAspect="1"/>
+          </p:cNvPicPr>
+          <p:nvPr>
+            <p:ph idx="1"/>
+          </p:nvPr>
+        </p:nvPicPr>
+        <p:blipFill>
+          <a:blip r:embed="rId2">
+            <a:extLst>
+              <a:ext uri="{28A0092B-C50C-407E-A947-70E740481C1C}">
+                <a14:useLocalDpi xmlns:a14="http://schemas.microsoft.com/office/drawing/2010/main" val="0"/>
+              </a:ext>
+            </a:extLst>
+          </a:blip>
+          <a:stretch>
+            <a:fillRect/>
+          </a:stretch>
+        </p:blipFill>
+        <p:spPr>
+          <a:xfrm>
+            <a:off x="0" y="0"/>
+            <a:ext cx="12192000" cy="6858000"/>
+          </a:xfrm>
+        </p:spPr>
+      </p:pic>
+    </p:spTree>
+    <p:extLst>
+      <p:ext uri="{BB962C8B-B14F-4D97-AF65-F5344CB8AC3E}">
+        <p14:creationId xmlns:p14="http://schemas.microsoft.com/office/powerpoint/2010/main" val="456005126"/>
+      </p:ext>
+    </p:extLst>
+  </p:cSld>
+  <p:clrMapOvr>
+    <a:masterClrMapping/>
+  </p:clrMapOvr>
+</p:sld>
+</file>
+
 <file path=ppt/theme/theme1.xml><?xml version="1.0" encoding="utf-8"?>
 <a:theme xmlns:a="http://schemas.openxmlformats.org/drawingml/2006/main" name="Celestial">
   <a:themeElements>

--- a/Project-hrtsaa.pptx
+++ b/Project-hrtsaa.pptx
@@ -6097,7 +6097,15 @@
                   <a:srgbClr val="C00000"/>
                 </a:solidFill>
               </a:rPr>
-              <a:t>על העמותה           </a:t>
+              <a:t>על </a:t>
+            </a:r>
+            <a:r>
+              <a:rPr lang="he-IL" dirty="0" smtClean="0">
+                <a:solidFill>
+                  <a:srgbClr val="C00000"/>
+                </a:solidFill>
+              </a:rPr>
+              <a:t>הארגון           </a:t>
             </a:r>
             <a:endParaRPr lang="en-US" dirty="0">
               <a:solidFill>
@@ -6126,12 +6134,12 @@
               <a:buNone/>
             </a:pPr>
             <a:r>
-              <a:rPr lang="he-IL" dirty="0" smtClean="0">
+              <a:rPr lang="he-IL" smtClean="0">
                 <a:solidFill>
                   <a:srgbClr val="2E7A32"/>
                 </a:solidFill>
               </a:rPr>
-              <a:t>עמותת </a:t>
+              <a:t>הארגון הוא עמותת </a:t>
             </a:r>
             <a:r>
               <a:rPr lang="he-IL" dirty="0">
@@ -6139,7 +6147,31 @@
                   <a:srgbClr val="2E7A32"/>
                 </a:solidFill>
               </a:rPr>
-              <a:t>שפים לשלום הוקמה בשנת 2001, </a:t>
+              <a:t>שפים </a:t>
+            </a:r>
+            <a:r>
+              <a:rPr lang="he-IL">
+                <a:solidFill>
+                  <a:srgbClr val="2E7A32"/>
+                </a:solidFill>
+              </a:rPr>
+              <a:t>לשלום </a:t>
+            </a:r>
+            <a:r>
+              <a:rPr lang="he-IL" smtClean="0">
+                <a:solidFill>
+                  <a:srgbClr val="2E7A32"/>
+                </a:solidFill>
+              </a:rPr>
+              <a:t>שהוקמה </a:t>
+            </a:r>
+            <a:r>
+              <a:rPr lang="he-IL" dirty="0">
+                <a:solidFill>
+                  <a:srgbClr val="2E7A32"/>
+                </a:solidFill>
+              </a:rPr>
+              <a:t>בשנת 2001, </a:t>
             </a:r>
             <a:r>
               <a:rPr lang="he-IL" dirty="0" smtClean="0">
@@ -6379,7 +6411,23 @@
                   <a:srgbClr val="2A702D"/>
                 </a:solidFill>
               </a:rPr>
-              <a:t>אתר אינטניט לעמותת שפים לשלום אשר באמצעותו ניתן לבציע הפעולת הבאות:</a:t>
+              <a:t>אתר אינטניט </a:t>
+            </a:r>
+            <a:r>
+              <a:rPr lang="he-IL" sz="2200" b="1" dirty="0" smtClean="0">
+                <a:solidFill>
+                  <a:srgbClr val="2A702D"/>
+                </a:solidFill>
+              </a:rPr>
+              <a:t>אשר </a:t>
+            </a:r>
+            <a:r>
+              <a:rPr lang="he-IL" sz="2200" b="1" dirty="0" smtClean="0">
+                <a:solidFill>
+                  <a:srgbClr val="2A702D"/>
+                </a:solidFill>
+              </a:rPr>
+              <a:t>באמצעותו ניתן לבציע הפעולת הבאות:</a:t>
             </a:r>
           </a:p>
           <a:p>
